--- a/ProyectoAlgoritmia.pptx
+++ b/ProyectoAlgoritmia.pptx
@@ -7382,17 +7382,34 @@
         </p:nvSpPr>
         <p:spPr>
           <a:xfrm>
-            <a:off x="3800663" y="764704"/>
+            <a:off x="3800663" y="836712"/>
             <a:ext cx="4587498" cy="639192"/>
           </a:xfrm>
         </p:spPr>
         <p:txBody>
-          <a:bodyPr/>
+          <a:bodyPr>
+            <a:normAutofit fontScale="90000"/>
+          </a:bodyPr>
           <a:lstStyle/>
           <a:p>
             <a:r>
               <a:rPr lang="en-001" dirty="0"/>
-              <a:t>ARQUITECTURA USADA</a:t>
+              <a:t>ARQUITECTURA USADA:</a:t>
+            </a:r>
+            <a:br>
+              <a:rPr lang="en-001" dirty="0"/>
+            </a:br>
+            <a:r>
+              <a:rPr lang="es-MX" dirty="0"/>
+              <a:t>Secuencial(</a:t>
+            </a:r>
+            <a:r>
+              <a:rPr lang="en-001" dirty="0"/>
+              <a:t>Sequential</a:t>
+            </a:r>
+            <a:r>
+              <a:rPr lang="es-MX" dirty="0"/>
+              <a:t>)</a:t>
             </a:r>
             <a:endParaRPr lang="es-ES" dirty="0"/>
           </a:p>
@@ -13677,15 +13694,6 @@
 </file>
 
 <file path=customXml/item1.xml><?xml version="1.0" encoding="utf-8"?>
-<?mso-contentType ?>
-<FormTemplates xmlns="http://schemas.microsoft.com/sharepoint/v3/contenttype/forms">
-  <Display>DocumentLibraryForm</Display>
-  <Edit>AssetEditForm</Edit>
-  <New>DocumentLibraryForm</New>
-</FormTemplates>
-</file>
-
-<file path=customXml/item2.xml><?xml version="1.0" encoding="utf-8"?>
 <p:properties xmlns:p="http://schemas.microsoft.com/office/2006/metadata/properties" xmlns:xsi="http://www.w3.org/2001/XMLSchema-instance" xmlns:pc="http://schemas.microsoft.com/office/infopath/2007/PartnerControls">
   <documentManagement>
     <LocPublishedLinkedAssetsLookup xmlns="4873beb7-5857-4685-be1f-d57550cc96cc" xsi:nil="true"/>
@@ -13819,6 +13827,15 @@
     <LocMarketGroupTiers2 xmlns="4873beb7-5857-4685-be1f-d57550cc96cc" xsi:nil="true"/>
   </documentManagement>
 </p:properties>
+</file>
+
+<file path=customXml/item2.xml><?xml version="1.0" encoding="utf-8"?>
+<?mso-contentType ?>
+<FormTemplates xmlns="http://schemas.microsoft.com/sharepoint/v3/contenttype/forms">
+  <Display>DocumentLibraryForm</Display>
+  <Edit>AssetEditForm</Edit>
+  <New>DocumentLibraryForm</New>
+</FormTemplates>
 </file>
 
 <file path=customXml/item3.xml><?xml version="1.0" encoding="utf-8"?>
@@ -14862,14 +14879,6 @@
 </file>
 
 <file path=customXml/itemProps1.xml><?xml version="1.0" encoding="utf-8"?>
-<ds:datastoreItem xmlns:ds="http://schemas.openxmlformats.org/officeDocument/2006/customXml" ds:itemID="{3836F65B-1B07-41EE-A0E8-BC6EF3855225}">
-  <ds:schemaRefs>
-    <ds:schemaRef ds:uri="http://schemas.microsoft.com/sharepoint/v3/contenttype/forms"/>
-  </ds:schemaRefs>
-</ds:datastoreItem>
-</file>
-
-<file path=customXml/itemProps2.xml><?xml version="1.0" encoding="utf-8"?>
 <ds:datastoreItem xmlns:ds="http://schemas.openxmlformats.org/officeDocument/2006/customXml" ds:itemID="{60C67BEE-D13F-4BD2-98A5-34D8A0977F68}">
   <ds:schemaRefs>
     <ds:schemaRef ds:uri="4873beb7-5857-4685-be1f-d57550cc96cc"/>
@@ -14881,6 +14890,14 @@
     <ds:schemaRef ds:uri="http://schemas.microsoft.com/office/infopath/2007/PartnerControls"/>
     <ds:schemaRef ds:uri="http://www.w3.org/XML/1998/namespace"/>
     <ds:schemaRef ds:uri="http://purl.org/dc/dcmitype/"/>
+  </ds:schemaRefs>
+</ds:datastoreItem>
+</file>
+
+<file path=customXml/itemProps2.xml><?xml version="1.0" encoding="utf-8"?>
+<ds:datastoreItem xmlns:ds="http://schemas.openxmlformats.org/officeDocument/2006/customXml" ds:itemID="{3836F65B-1B07-41EE-A0E8-BC6EF3855225}">
+  <ds:schemaRefs>
+    <ds:schemaRef ds:uri="http://schemas.microsoft.com/sharepoint/v3/contenttype/forms"/>
   </ds:schemaRefs>
 </ds:datastoreItem>
 </file>
